--- a/Docs/Tech_Ref/FIGURES/solidanglesetup.pptx
+++ b/Docs/Tech_Ref/FIGURES/solidanglesetup.pptx
@@ -238,7 +238,7 @@
           <a:p>
             <a:fld id="{DB1A0588-BD2B-4491-BED8-3F7A36165C09}" type="datetimeFigureOut">
               <a:rPr lang="en-US" smtClean="0"/>
-              <a:t>8/7/2015</a:t>
+              <a:t>8/8/2015</a:t>
             </a:fld>
             <a:endParaRPr lang="en-US"/>
           </a:p>
@@ -408,7 +408,7 @@
           <a:p>
             <a:fld id="{DB1A0588-BD2B-4491-BED8-3F7A36165C09}" type="datetimeFigureOut">
               <a:rPr lang="en-US" smtClean="0"/>
-              <a:t>8/7/2015</a:t>
+              <a:t>8/8/2015</a:t>
             </a:fld>
             <a:endParaRPr lang="en-US"/>
           </a:p>
@@ -588,7 +588,7 @@
           <a:p>
             <a:fld id="{DB1A0588-BD2B-4491-BED8-3F7A36165C09}" type="datetimeFigureOut">
               <a:rPr lang="en-US" smtClean="0"/>
-              <a:t>8/7/2015</a:t>
+              <a:t>8/8/2015</a:t>
             </a:fld>
             <a:endParaRPr lang="en-US"/>
           </a:p>
@@ -758,7 +758,7 @@
           <a:p>
             <a:fld id="{DB1A0588-BD2B-4491-BED8-3F7A36165C09}" type="datetimeFigureOut">
               <a:rPr lang="en-US" smtClean="0"/>
-              <a:t>8/7/2015</a:t>
+              <a:t>8/8/2015</a:t>
             </a:fld>
             <a:endParaRPr lang="en-US"/>
           </a:p>
@@ -1004,7 +1004,7 @@
           <a:p>
             <a:fld id="{DB1A0588-BD2B-4491-BED8-3F7A36165C09}" type="datetimeFigureOut">
               <a:rPr lang="en-US" smtClean="0"/>
-              <a:t>8/7/2015</a:t>
+              <a:t>8/8/2015</a:t>
             </a:fld>
             <a:endParaRPr lang="en-US"/>
           </a:p>
@@ -1236,7 +1236,7 @@
           <a:p>
             <a:fld id="{DB1A0588-BD2B-4491-BED8-3F7A36165C09}" type="datetimeFigureOut">
               <a:rPr lang="en-US" smtClean="0"/>
-              <a:t>8/7/2015</a:t>
+              <a:t>8/8/2015</a:t>
             </a:fld>
             <a:endParaRPr lang="en-US"/>
           </a:p>
@@ -1603,7 +1603,7 @@
           <a:p>
             <a:fld id="{DB1A0588-BD2B-4491-BED8-3F7A36165C09}" type="datetimeFigureOut">
               <a:rPr lang="en-US" smtClean="0"/>
-              <a:t>8/7/2015</a:t>
+              <a:t>8/8/2015</a:t>
             </a:fld>
             <a:endParaRPr lang="en-US"/>
           </a:p>
@@ -1721,7 +1721,7 @@
           <a:p>
             <a:fld id="{DB1A0588-BD2B-4491-BED8-3F7A36165C09}" type="datetimeFigureOut">
               <a:rPr lang="en-US" smtClean="0"/>
-              <a:t>8/7/2015</a:t>
+              <a:t>8/8/2015</a:t>
             </a:fld>
             <a:endParaRPr lang="en-US"/>
           </a:p>
@@ -1816,7 +1816,7 @@
           <a:p>
             <a:fld id="{DB1A0588-BD2B-4491-BED8-3F7A36165C09}" type="datetimeFigureOut">
               <a:rPr lang="en-US" smtClean="0"/>
-              <a:t>8/7/2015</a:t>
+              <a:t>8/8/2015</a:t>
             </a:fld>
             <a:endParaRPr lang="en-US"/>
           </a:p>
@@ -2093,7 +2093,7 @@
           <a:p>
             <a:fld id="{DB1A0588-BD2B-4491-BED8-3F7A36165C09}" type="datetimeFigureOut">
               <a:rPr lang="en-US" smtClean="0"/>
-              <a:t>8/7/2015</a:t>
+              <a:t>8/8/2015</a:t>
             </a:fld>
             <a:endParaRPr lang="en-US"/>
           </a:p>
@@ -2346,7 +2346,7 @@
           <a:p>
             <a:fld id="{DB1A0588-BD2B-4491-BED8-3F7A36165C09}" type="datetimeFigureOut">
               <a:rPr lang="en-US" smtClean="0"/>
-              <a:t>8/7/2015</a:t>
+              <a:t>8/8/2015</a:t>
             </a:fld>
             <a:endParaRPr lang="en-US"/>
           </a:p>
@@ -2559,7 +2559,7 @@
           <a:p>
             <a:fld id="{DB1A0588-BD2B-4491-BED8-3F7A36165C09}" type="datetimeFigureOut">
               <a:rPr lang="en-US" smtClean="0"/>
-              <a:t>8/7/2015</a:t>
+              <a:t>8/8/2015</a:t>
             </a:fld>
             <a:endParaRPr lang="en-US"/>
           </a:p>
@@ -3248,14 +3248,14 @@
           <a:lstStyle/>
           <a:p>
             <a:r>
-              <a:rPr lang="en-US" dirty="0" smtClean="0"/>
+              <a:rPr lang="en-US" i="1" dirty="0" smtClean="0"/>
               <a:t>v</a:t>
             </a:r>
             <a:r>
-              <a:rPr lang="en-US" baseline="-25000" dirty="0" smtClean="0"/>
+              <a:rPr lang="en-US" i="1" baseline="-25000" dirty="0" smtClean="0"/>
               <a:t>1</a:t>
             </a:r>
-            <a:endParaRPr lang="en-US" baseline="-25000" dirty="0"/>
+            <a:endParaRPr lang="en-US" i="1" baseline="-25000" dirty="0"/>
           </a:p>
         </p:txBody>
       </p:sp>
@@ -3282,14 +3282,14 @@
           <a:lstStyle/>
           <a:p>
             <a:r>
-              <a:rPr lang="en-US" dirty="0" smtClean="0"/>
+              <a:rPr lang="en-US" i="1" dirty="0" smtClean="0"/>
               <a:t>v</a:t>
             </a:r>
             <a:r>
-              <a:rPr lang="en-US" baseline="-25000" dirty="0" smtClean="0"/>
+              <a:rPr lang="en-US" i="1" baseline="-25000" dirty="0" smtClean="0"/>
               <a:t>2</a:t>
             </a:r>
-            <a:endParaRPr lang="en-US" baseline="-25000" dirty="0"/>
+            <a:endParaRPr lang="en-US" i="1" baseline="-25000" dirty="0"/>
           </a:p>
         </p:txBody>
       </p:sp>
@@ -3316,14 +3316,14 @@
           <a:lstStyle/>
           <a:p>
             <a:r>
-              <a:rPr lang="en-US" dirty="0" smtClean="0"/>
+              <a:rPr lang="en-US" i="1" dirty="0" smtClean="0"/>
               <a:t>v</a:t>
             </a:r>
             <a:r>
-              <a:rPr lang="en-US" baseline="-25000" dirty="0" smtClean="0"/>
+              <a:rPr lang="en-US" i="1" baseline="-25000" dirty="0" smtClean="0"/>
               <a:t>3</a:t>
             </a:r>
-            <a:endParaRPr lang="en-US" baseline="-25000" dirty="0"/>
+            <a:endParaRPr lang="en-US" i="1" baseline="-25000" dirty="0"/>
           </a:p>
         </p:txBody>
       </p:sp>
@@ -3602,7 +3602,7 @@
   <a:extraClrSchemeLst/>
   <a:extLst>
     <a:ext uri="{05A4C25C-085E-4340-85A3-A5531E510DB2}">
-      <thm15:themeFamily xmlns="" xmlns:thm15="http://schemas.microsoft.com/office/thememl/2012/main" name="Office Theme" id="{62F939B6-93AF-4DB8-9C6B-D6C7DFDC589F}" vid="{4A3C46E8-61CC-4603-A589-7422A47A8E4A}"/>
+      <thm15:themeFamily xmlns:thm15="http://schemas.microsoft.com/office/thememl/2012/main" xmlns="" name="Office Theme" id="{62F939B6-93AF-4DB8-9C6B-D6C7DFDC589F}" vid="{4A3C46E8-61CC-4603-A589-7422A47A8E4A}"/>
     </a:ext>
   </a:extLst>
 </a:theme>

--- a/Docs/Tech_Ref/FIGURES/solidanglesetup.pptx
+++ b/Docs/Tech_Ref/FIGURES/solidanglesetup.pptx
@@ -238,7 +238,7 @@
           <a:p>
             <a:fld id="{DB1A0588-BD2B-4491-BED8-3F7A36165C09}" type="datetimeFigureOut">
               <a:rPr lang="en-US" smtClean="0"/>
-              <a:t>8/8/2015</a:t>
+              <a:t>8/9/2015</a:t>
             </a:fld>
             <a:endParaRPr lang="en-US"/>
           </a:p>
@@ -408,7 +408,7 @@
           <a:p>
             <a:fld id="{DB1A0588-BD2B-4491-BED8-3F7A36165C09}" type="datetimeFigureOut">
               <a:rPr lang="en-US" smtClean="0"/>
-              <a:t>8/8/2015</a:t>
+              <a:t>8/9/2015</a:t>
             </a:fld>
             <a:endParaRPr lang="en-US"/>
           </a:p>
@@ -588,7 +588,7 @@
           <a:p>
             <a:fld id="{DB1A0588-BD2B-4491-BED8-3F7A36165C09}" type="datetimeFigureOut">
               <a:rPr lang="en-US" smtClean="0"/>
-              <a:t>8/8/2015</a:t>
+              <a:t>8/9/2015</a:t>
             </a:fld>
             <a:endParaRPr lang="en-US"/>
           </a:p>
@@ -758,7 +758,7 @@
           <a:p>
             <a:fld id="{DB1A0588-BD2B-4491-BED8-3F7A36165C09}" type="datetimeFigureOut">
               <a:rPr lang="en-US" smtClean="0"/>
-              <a:t>8/8/2015</a:t>
+              <a:t>8/9/2015</a:t>
             </a:fld>
             <a:endParaRPr lang="en-US"/>
           </a:p>
@@ -1004,7 +1004,7 @@
           <a:p>
             <a:fld id="{DB1A0588-BD2B-4491-BED8-3F7A36165C09}" type="datetimeFigureOut">
               <a:rPr lang="en-US" smtClean="0"/>
-              <a:t>8/8/2015</a:t>
+              <a:t>8/9/2015</a:t>
             </a:fld>
             <a:endParaRPr lang="en-US"/>
           </a:p>
@@ -1236,7 +1236,7 @@
           <a:p>
             <a:fld id="{DB1A0588-BD2B-4491-BED8-3F7A36165C09}" type="datetimeFigureOut">
               <a:rPr lang="en-US" smtClean="0"/>
-              <a:t>8/8/2015</a:t>
+              <a:t>8/9/2015</a:t>
             </a:fld>
             <a:endParaRPr lang="en-US"/>
           </a:p>
@@ -1603,7 +1603,7 @@
           <a:p>
             <a:fld id="{DB1A0588-BD2B-4491-BED8-3F7A36165C09}" type="datetimeFigureOut">
               <a:rPr lang="en-US" smtClean="0"/>
-              <a:t>8/8/2015</a:t>
+              <a:t>8/9/2015</a:t>
             </a:fld>
             <a:endParaRPr lang="en-US"/>
           </a:p>
@@ -1721,7 +1721,7 @@
           <a:p>
             <a:fld id="{DB1A0588-BD2B-4491-BED8-3F7A36165C09}" type="datetimeFigureOut">
               <a:rPr lang="en-US" smtClean="0"/>
-              <a:t>8/8/2015</a:t>
+              <a:t>8/9/2015</a:t>
             </a:fld>
             <a:endParaRPr lang="en-US"/>
           </a:p>
@@ -1816,7 +1816,7 @@
           <a:p>
             <a:fld id="{DB1A0588-BD2B-4491-BED8-3F7A36165C09}" type="datetimeFigureOut">
               <a:rPr lang="en-US" smtClean="0"/>
-              <a:t>8/8/2015</a:t>
+              <a:t>8/9/2015</a:t>
             </a:fld>
             <a:endParaRPr lang="en-US"/>
           </a:p>
@@ -2093,7 +2093,7 @@
           <a:p>
             <a:fld id="{DB1A0588-BD2B-4491-BED8-3F7A36165C09}" type="datetimeFigureOut">
               <a:rPr lang="en-US" smtClean="0"/>
-              <a:t>8/8/2015</a:t>
+              <a:t>8/9/2015</a:t>
             </a:fld>
             <a:endParaRPr lang="en-US"/>
           </a:p>
@@ -2346,7 +2346,7 @@
           <a:p>
             <a:fld id="{DB1A0588-BD2B-4491-BED8-3F7A36165C09}" type="datetimeFigureOut">
               <a:rPr lang="en-US" smtClean="0"/>
-              <a:t>8/8/2015</a:t>
+              <a:t>8/9/2015</a:t>
             </a:fld>
             <a:endParaRPr lang="en-US"/>
           </a:p>
@@ -2559,7 +2559,7 @@
           <a:p>
             <a:fld id="{DB1A0588-BD2B-4491-BED8-3F7A36165C09}" type="datetimeFigureOut">
               <a:rPr lang="en-US" smtClean="0"/>
-              <a:t>8/8/2015</a:t>
+              <a:t>8/9/2015</a:t>
             </a:fld>
             <a:endParaRPr lang="en-US"/>
           </a:p>
@@ -2972,8 +2972,8 @@
         </p:nvCxnSpPr>
         <p:spPr>
           <a:xfrm>
-            <a:off x="7280584" y="585216"/>
-            <a:ext cx="1975104" cy="2834640"/>
+            <a:off x="7886700" y="816430"/>
+            <a:ext cx="1377152" cy="2554442"/>
           </a:xfrm>
           <a:prstGeom prst="line">
             <a:avLst/>
@@ -3007,8 +3007,8 @@
         </p:nvCxnSpPr>
         <p:spPr>
           <a:xfrm flipH="1">
-            <a:off x="5431536" y="585216"/>
-            <a:ext cx="1865376" cy="1417320"/>
+            <a:off x="5649685" y="824594"/>
+            <a:ext cx="2253344" cy="568561"/>
           </a:xfrm>
           <a:prstGeom prst="line">
             <a:avLst/>
@@ -3042,8 +3042,8 @@
         </p:nvCxnSpPr>
         <p:spPr>
           <a:xfrm>
-            <a:off x="5423372" y="1994372"/>
-            <a:ext cx="3840480" cy="1417320"/>
+            <a:off x="5657849" y="1376827"/>
+            <a:ext cx="3566160" cy="1977717"/>
           </a:xfrm>
           <a:prstGeom prst="line">
             <a:avLst/>
@@ -3077,8 +3077,8 @@
         </p:nvCxnSpPr>
         <p:spPr>
           <a:xfrm flipV="1">
-            <a:off x="4901184" y="2002536"/>
-            <a:ext cx="530352" cy="3575304"/>
+            <a:off x="4909348" y="1352335"/>
+            <a:ext cx="764829" cy="4143866"/>
           </a:xfrm>
           <a:prstGeom prst="straightConnector1">
             <a:avLst/>
@@ -3113,8 +3113,8 @@
         </p:nvCxnSpPr>
         <p:spPr>
           <a:xfrm flipV="1">
-            <a:off x="4901184" y="585216"/>
-            <a:ext cx="2395728" cy="4992624"/>
+            <a:off x="4925676" y="816430"/>
+            <a:ext cx="2977352" cy="4712426"/>
           </a:xfrm>
           <a:prstGeom prst="straightConnector1">
             <a:avLst/>
@@ -3149,7 +3149,7 @@
         </p:nvCxnSpPr>
         <p:spPr>
           <a:xfrm flipV="1">
-            <a:off x="4901184" y="3419856"/>
+            <a:off x="4909348" y="3362708"/>
             <a:ext cx="4370832" cy="2157984"/>
           </a:xfrm>
           <a:prstGeom prst="straightConnector1">
@@ -3233,7 +3233,7 @@
         </p:nvSpPr>
         <p:spPr>
           <a:xfrm>
-            <a:off x="4611466" y="3050524"/>
+            <a:off x="5207438" y="1148312"/>
             <a:ext cx="367408" cy="369332"/>
           </a:xfrm>
           <a:prstGeom prst="rect">
@@ -3267,7 +3267,7 @@
         </p:nvSpPr>
         <p:spPr>
           <a:xfrm>
-            <a:off x="6845492" y="1633204"/>
+            <a:off x="7343496" y="522900"/>
             <a:ext cx="367408" cy="369332"/>
           </a:xfrm>
           <a:prstGeom prst="rect">
@@ -3301,7 +3301,7 @@
         </p:nvSpPr>
         <p:spPr>
           <a:xfrm>
-            <a:off x="8665306" y="3941278"/>
+            <a:off x="9318426" y="3377962"/>
             <a:ext cx="367408" cy="369332"/>
           </a:xfrm>
           <a:prstGeom prst="rect">
@@ -3322,6 +3322,40 @@
             <a:r>
               <a:rPr lang="en-US" i="1" baseline="-25000" dirty="0" smtClean="0"/>
               <a:t>3</a:t>
+            </a:r>
+            <a:endParaRPr lang="en-US" i="1" baseline="-25000" dirty="0"/>
+          </a:p>
+        </p:txBody>
+      </p:sp>
+      <p:sp>
+        <p:nvSpPr>
+          <p:cNvPr id="30" name="TextBox 29"/>
+          <p:cNvSpPr txBox="1"/>
+          <p:nvPr/>
+        </p:nvSpPr>
+        <p:spPr>
+          <a:xfrm>
+            <a:off x="4388288" y="5153950"/>
+            <a:ext cx="365806" cy="369332"/>
+          </a:xfrm>
+          <a:prstGeom prst="rect">
+            <a:avLst/>
+          </a:prstGeom>
+          <a:noFill/>
+        </p:spPr>
+        <p:txBody>
+          <a:bodyPr wrap="none" rtlCol="0">
+            <a:spAutoFit/>
+          </a:bodyPr>
+          <a:lstStyle/>
+          <a:p>
+            <a:r>
+              <a:rPr lang="en-US" i="1" dirty="0" smtClean="0"/>
+              <a:t>v</a:t>
+            </a:r>
+            <a:r>
+              <a:rPr lang="en-US" i="1" baseline="-25000" dirty="0"/>
+              <a:t>0</a:t>
             </a:r>
             <a:endParaRPr lang="en-US" i="1" baseline="-25000" dirty="0"/>
           </a:p>
@@ -3602,7 +3636,7 @@
   <a:extraClrSchemeLst/>
   <a:extLst>
     <a:ext uri="{05A4C25C-085E-4340-85A3-A5531E510DB2}">
-      <thm15:themeFamily xmlns:thm15="http://schemas.microsoft.com/office/thememl/2012/main" xmlns="" name="Office Theme" id="{62F939B6-93AF-4DB8-9C6B-D6C7DFDC589F}" vid="{4A3C46E8-61CC-4603-A589-7422A47A8E4A}"/>
+      <thm15:themeFamily xmlns="" xmlns:thm15="http://schemas.microsoft.com/office/thememl/2012/main" name="Office Theme" id="{62F939B6-93AF-4DB8-9C6B-D6C7DFDC589F}" vid="{4A3C46E8-61CC-4603-A589-7422A47A8E4A}"/>
     </a:ext>
   </a:extLst>
 </a:theme>
